--- a/Slides/00. OpenCV簡介.pptx
+++ b/Slides/00. OpenCV簡介.pptx
@@ -115,7 +115,7 @@
   </p:defaultTextStyle>
   <p:extLst>
     <p:ext uri="{EFAFB233-063F-42B5-8137-9DF3F51BA10A}">
-      <p15:sldGuideLst xmlns="" xmlns:p15="http://schemas.microsoft.com/office/powerpoint/2012/main">
+      <p15:sldGuideLst xmlns:p15="http://schemas.microsoft.com/office/powerpoint/2012/main" xmlns="">
         <p15:guide id="1" orient="horz" pos="2160">
           <p15:clr>
             <a:srgbClr val="A4A3A4"/>
@@ -129,7 +129,7 @@
       </p15:sldGuideLst>
     </p:ext>
     <p:ext uri="{2D200454-40CA-4A62-9FC3-DE9A4176ACB9}">
-      <p15:notesGuideLst xmlns="" xmlns:p15="http://schemas.microsoft.com/office/powerpoint/2012/main"/>
+      <p15:notesGuideLst xmlns:p15="http://schemas.microsoft.com/office/powerpoint/2012/main" xmlns=""/>
     </p:ext>
   </p:extLst>
 </p:presentation>
@@ -220,7 +220,7 @@
             <a:fld id="{68F88C59-319B-4332-9A1D-2A62CFCB00D8}" type="datetimeFigureOut">
               <a:rPr lang="en-US" smtClean="0"/>
               <a:pPr/>
-              <a:t>9/23/2020</a:t>
+              <a:t>3/21/2021</a:t>
             </a:fld>
             <a:endParaRPr lang="en-US" dirty="0"/>
           </a:p>
@@ -298,7 +298,7 @@
     </p:spTree>
     <p:extLst>
       <p:ext uri="{BB962C8B-B14F-4D97-AF65-F5344CB8AC3E}">
-        <p14:creationId xmlns="" xmlns:p14="http://schemas.microsoft.com/office/powerpoint/2010/main" val="2345123278"/>
+        <p14:creationId xmlns:p14="http://schemas.microsoft.com/office/powerpoint/2010/main" xmlns="" val="2345123278"/>
       </p:ext>
     </p:extLst>
   </p:cSld>
@@ -391,7 +391,7 @@
             <a:fld id="{968B300D-05F0-4B43-940D-46DED5A791AD}" type="datetimeFigureOut">
               <a:rPr lang="en-US" smtClean="0"/>
               <a:pPr/>
-              <a:t>9/23/2020</a:t>
+              <a:t>3/21/2021</a:t>
             </a:fld>
             <a:endParaRPr lang="en-US" dirty="0"/>
           </a:p>
@@ -563,7 +563,7 @@
     </p:spTree>
     <p:extLst>
       <p:ext uri="{BB962C8B-B14F-4D97-AF65-F5344CB8AC3E}">
-        <p14:creationId xmlns="" xmlns:p14="http://schemas.microsoft.com/office/powerpoint/2010/main" val="623787478"/>
+        <p14:creationId xmlns:p14="http://schemas.microsoft.com/office/powerpoint/2010/main" xmlns="" val="623787478"/>
       </p:ext>
     </p:extLst>
   </p:cSld>
@@ -739,7 +739,7 @@
     </p:spTree>
     <p:extLst>
       <p:ext uri="{BB962C8B-B14F-4D97-AF65-F5344CB8AC3E}">
-        <p14:creationId xmlns="" xmlns:p14="http://schemas.microsoft.com/office/powerpoint/2010/main" val="939565178"/>
+        <p14:creationId xmlns:p14="http://schemas.microsoft.com/office/powerpoint/2010/main" xmlns="" val="939565178"/>
       </p:ext>
     </p:extLst>
   </p:cSld>
@@ -824,7 +824,7 @@
     </p:spTree>
     <p:extLst>
       <p:ext uri="{BB962C8B-B14F-4D97-AF65-F5344CB8AC3E}">
-        <p14:creationId xmlns="" xmlns:p14="http://schemas.microsoft.com/office/powerpoint/2010/main" val="2659555247"/>
+        <p14:creationId xmlns:p14="http://schemas.microsoft.com/office/powerpoint/2010/main" xmlns="" val="2659555247"/>
       </p:ext>
     </p:extLst>
   </p:cSld>
@@ -909,7 +909,7 @@
     </p:spTree>
     <p:extLst>
       <p:ext uri="{BB962C8B-B14F-4D97-AF65-F5344CB8AC3E}">
-        <p14:creationId xmlns="" xmlns:p14="http://schemas.microsoft.com/office/powerpoint/2010/main" val="2659555247"/>
+        <p14:creationId xmlns:p14="http://schemas.microsoft.com/office/powerpoint/2010/main" xmlns="" val="2659555247"/>
       </p:ext>
     </p:extLst>
   </p:cSld>
@@ -994,7 +994,7 @@
     </p:spTree>
     <p:extLst>
       <p:ext uri="{BB962C8B-B14F-4D97-AF65-F5344CB8AC3E}">
-        <p14:creationId xmlns="" xmlns:p14="http://schemas.microsoft.com/office/powerpoint/2010/main" val="2659555247"/>
+        <p14:creationId xmlns:p14="http://schemas.microsoft.com/office/powerpoint/2010/main" xmlns="" val="2659555247"/>
       </p:ext>
     </p:extLst>
   </p:cSld>
@@ -1079,7 +1079,7 @@
     </p:spTree>
     <p:extLst>
       <p:ext uri="{BB962C8B-B14F-4D97-AF65-F5344CB8AC3E}">
-        <p14:creationId xmlns="" xmlns:p14="http://schemas.microsoft.com/office/powerpoint/2010/main" val="2659555247"/>
+        <p14:creationId xmlns:p14="http://schemas.microsoft.com/office/powerpoint/2010/main" xmlns="" val="2659555247"/>
       </p:ext>
     </p:extLst>
   </p:cSld>
@@ -1164,7 +1164,7 @@
     </p:spTree>
     <p:extLst>
       <p:ext uri="{BB962C8B-B14F-4D97-AF65-F5344CB8AC3E}">
-        <p14:creationId xmlns="" xmlns:p14="http://schemas.microsoft.com/office/powerpoint/2010/main" val="2659555247"/>
+        <p14:creationId xmlns:p14="http://schemas.microsoft.com/office/powerpoint/2010/main" xmlns="" val="2659555247"/>
       </p:ext>
     </p:extLst>
   </p:cSld>
@@ -1482,7 +1482,7 @@
                 </a:solidFill>
               </a:rPr>
               <a:pPr/>
-              <a:t>9/23/2020</a:t>
+              <a:t>3/21/2021</a:t>
             </a:fld>
             <a:endParaRPr kumimoji="0" lang="en-US" dirty="0"/>
           </a:p>
@@ -1873,7 +1873,7 @@
                 </a:solidFill>
               </a:rPr>
               <a:pPr/>
-              <a:t>9/23/2020</a:t>
+              <a:t>3/21/2021</a:t>
             </a:fld>
             <a:endParaRPr kumimoji="0" lang="en-US" dirty="0"/>
           </a:p>
@@ -2208,7 +2208,7 @@
                 </a:solidFill>
               </a:rPr>
               <a:pPr/>
-              <a:t>9/23/2020</a:t>
+              <a:t>3/21/2021</a:t>
             </a:fld>
             <a:endParaRPr kumimoji="0" lang="en-US" dirty="0"/>
           </a:p>
@@ -2784,7 +2784,7 @@
                 </a:solidFill>
               </a:rPr>
               <a:pPr/>
-              <a:t>9/23/2020</a:t>
+              <a:t>3/21/2021</a:t>
             </a:fld>
             <a:endParaRPr kumimoji="0" lang="en-US" dirty="0"/>
           </a:p>
@@ -3348,7 +3348,7 @@
                 </a:solidFill>
               </a:rPr>
               <a:pPr/>
-              <a:t>9/23/2020</a:t>
+              <a:t>3/21/2021</a:t>
             </a:fld>
             <a:endParaRPr kumimoji="0" lang="en-US" dirty="0"/>
           </a:p>
@@ -3807,7 +3807,7 @@
                 </a:solidFill>
               </a:rPr>
               <a:pPr/>
-              <a:t>9/23/2020</a:t>
+              <a:t>3/21/2021</a:t>
             </a:fld>
             <a:endParaRPr kumimoji="0" lang="en-US" dirty="0"/>
           </a:p>
@@ -4231,7 +4231,7 @@
                 </a:solidFill>
               </a:rPr>
               <a:pPr/>
-              <a:t>9/23/2020</a:t>
+              <a:t>3/21/2021</a:t>
             </a:fld>
             <a:endParaRPr kumimoji="0" lang="en-US" dirty="0"/>
           </a:p>
@@ -4735,7 +4735,7 @@
                 </a:solidFill>
               </a:rPr>
               <a:pPr/>
-              <a:t>9/23/2020</a:t>
+              <a:t>3/21/2021</a:t>
             </a:fld>
             <a:endParaRPr kumimoji="0" lang="en-US" dirty="0"/>
           </a:p>
@@ -5239,7 +5239,7 @@
                 </a:solidFill>
               </a:rPr>
               <a:pPr/>
-              <a:t>9/23/2020</a:t>
+              <a:t>3/21/2021</a:t>
             </a:fld>
             <a:endParaRPr kumimoji="0" lang="en-US" dirty="0"/>
           </a:p>
@@ -5455,7 +5455,7 @@
                 </a:solidFill>
               </a:rPr>
               <a:pPr/>
-              <a:t>9/23/2020</a:t>
+              <a:t>3/21/2021</a:t>
             </a:fld>
             <a:endParaRPr kumimoji="0" lang="en-US" dirty="0"/>
           </a:p>
@@ -5783,7 +5783,7 @@
                 </a:solidFill>
               </a:rPr>
               <a:pPr/>
-              <a:t>9/23/2020</a:t>
+              <a:t>3/21/2021</a:t>
             </a:fld>
             <a:endParaRPr kumimoji="0" lang="en-US" dirty="0"/>
           </a:p>
@@ -6009,7 +6009,7 @@
                 </a:solidFill>
               </a:rPr>
               <a:pPr/>
-              <a:t>9/23/2020</a:t>
+              <a:t>3/21/2021</a:t>
             </a:fld>
             <a:endParaRPr kumimoji="0" lang="en-US" dirty="0"/>
           </a:p>
@@ -6228,7 +6228,7 @@
                 </a:solidFill>
               </a:rPr>
               <a:pPr/>
-              <a:t>9/23/2020</a:t>
+              <a:t>3/21/2021</a:t>
             </a:fld>
             <a:endParaRPr kumimoji="0" lang="en-US" dirty="0"/>
           </a:p>
@@ -6404,7 +6404,7 @@
             <a:fld id="{ACB2EC6F-6501-4E04-BD6C-A8A6CABB2C5B}" type="datetimeFigureOut">
               <a:rPr kumimoji="0" lang="en-US" smtClean="0"/>
               <a:pPr/>
-              <a:t>9/23/2020</a:t>
+              <a:t>3/21/2021</a:t>
             </a:fld>
             <a:endParaRPr kumimoji="0" lang="en-US" dirty="0"/>
           </a:p>
@@ -6649,7 +6649,7 @@
                 </a:solidFill>
               </a:rPr>
               <a:pPr/>
-              <a:t>9/23/2020</a:t>
+              <a:t>3/21/2021</a:t>
             </a:fld>
             <a:endParaRPr kumimoji="0" lang="en-US" dirty="0"/>
           </a:p>
@@ -7121,7 +7121,7 @@
                 </a:solidFill>
               </a:rPr>
               <a:pPr/>
-              <a:t>9/23/2020</a:t>
+              <a:t>3/21/2021</a:t>
             </a:fld>
             <a:endParaRPr kumimoji="0" lang="en-US" dirty="0"/>
           </a:p>
@@ -7473,7 +7473,7 @@
                 </a:solidFill>
               </a:rPr>
               <a:pPr/>
-              <a:t>9/23/2020</a:t>
+              <a:t>3/21/2021</a:t>
             </a:fld>
             <a:endParaRPr kumimoji="0" lang="en-US" dirty="0"/>
           </a:p>
@@ -7831,7 +7831,7 @@
                 </a:solidFill>
               </a:rPr>
               <a:pPr/>
-              <a:t>9/23/2020</a:t>
+              <a:t>3/21/2021</a:t>
             </a:fld>
             <a:endParaRPr kumimoji="0" lang="en-US" dirty="0"/>
           </a:p>
@@ -8136,7 +8136,7 @@
                 </a:solidFill>
               </a:rPr>
               <a:pPr/>
-              <a:t>9/23/2020</a:t>
+              <a:t>3/21/2021</a:t>
             </a:fld>
             <a:endParaRPr kumimoji="0" lang="en-US" dirty="0"/>
           </a:p>
@@ -8612,7 +8612,7 @@
                 </a:solidFill>
               </a:rPr>
               <a:pPr/>
-              <a:t>9/23/2020</a:t>
+              <a:t>3/21/2021</a:t>
             </a:fld>
             <a:endParaRPr kumimoji="0" lang="en-US" dirty="0"/>
           </a:p>
@@ -8849,7 +8849,7 @@
                 </a:solidFill>
               </a:rPr>
               <a:pPr/>
-              <a:t>9/23/2020</a:t>
+              <a:t>3/21/2021</a:t>
             </a:fld>
             <a:endParaRPr kumimoji="0" lang="en-US" sz="1200" dirty="0">
               <a:solidFill>
@@ -9487,15 +9487,35 @@
                 <a:ea typeface="微軟正黑體" panose="020B0604030504040204" pitchFamily="34" charset="-120"/>
                 <a:cs typeface="+mn-cs"/>
               </a:rPr>
-              <a:t>2020/09/24</a:t>
-            </a:r>
+              <a:t>2021/03/22</a:t>
+            </a:r>
+            <a:endParaRPr kumimoji="0" lang="en-US" altLang="zh-TW" sz="2400" b="1" i="0" u="none" strike="noStrike" kern="0" cap="none" spc="0" normalizeH="0" baseline="0" noProof="0" dirty="0" smtClean="0">
+              <a:ln>
+                <a:noFill/>
+              </a:ln>
+              <a:solidFill>
+                <a:srgbClr val="00B0F0"/>
+              </a:solidFill>
+              <a:effectLst>
+                <a:outerShdw blurRad="38100" dist="38100" dir="2700000" algn="tl">
+                  <a:srgbClr val="000000">
+                    <a:alpha val="43137"/>
+                  </a:srgbClr>
+                </a:outerShdw>
+              </a:effectLst>
+              <a:uLnTx/>
+              <a:uFillTx/>
+              <a:latin typeface="微軟正黑體" panose="020B0604030504040204" pitchFamily="34" charset="-120"/>
+              <a:ea typeface="微軟正黑體" panose="020B0604030504040204" pitchFamily="34" charset="-120"/>
+              <a:cs typeface="+mn-cs"/>
+            </a:endParaRPr>
           </a:p>
         </p:txBody>
       </p:sp>
     </p:spTree>
     <p:extLst>
       <p:ext uri="{BB962C8B-B14F-4D97-AF65-F5344CB8AC3E}">
-        <p14:creationId xmlns="" xmlns:p14="http://schemas.microsoft.com/office/powerpoint/2010/main" val="3907764274"/>
+        <p14:creationId xmlns:p14="http://schemas.microsoft.com/office/powerpoint/2010/main" xmlns="" val="3907764274"/>
       </p:ext>
     </p:extLst>
   </p:cSld>
@@ -9984,7 +10004,7 @@
     </p:spTree>
     <p:extLst>
       <p:ext uri="{BB962C8B-B14F-4D97-AF65-F5344CB8AC3E}">
-        <p14:creationId xmlns="" xmlns:p14="http://schemas.microsoft.com/office/powerpoint/2010/main" val="522405798"/>
+        <p14:creationId xmlns:p14="http://schemas.microsoft.com/office/powerpoint/2010/main" xmlns="" val="522405798"/>
       </p:ext>
     </p:extLst>
   </p:cSld>
@@ -10489,7 +10509,7 @@
     </p:spTree>
     <p:extLst>
       <p:ext uri="{BB962C8B-B14F-4D97-AF65-F5344CB8AC3E}">
-        <p14:creationId xmlns="" xmlns:p14="http://schemas.microsoft.com/office/powerpoint/2010/main" val="522405798"/>
+        <p14:creationId xmlns:p14="http://schemas.microsoft.com/office/powerpoint/2010/main" xmlns="" val="522405798"/>
       </p:ext>
     </p:extLst>
   </p:cSld>
@@ -10534,8 +10554,8 @@
         </p:nvSpPr>
         <p:spPr>
           <a:xfrm>
-            <a:off x="228600" y="1905000"/>
-            <a:ext cx="8839200" cy="4401205"/>
+            <a:off x="304800" y="1676400"/>
+            <a:ext cx="8839200" cy="5016758"/>
           </a:xfrm>
           <a:prstGeom prst="rect">
             <a:avLst/>
@@ -10553,11 +10573,35 @@
               <a:buChar char="•"/>
             </a:pPr>
             <a:r>
+              <a:rPr lang="en-US" altLang="zh-TW" sz="4000" b="1" dirty="0" smtClean="0">
+                <a:latin typeface="微軟正黑體" pitchFamily="34" charset="-120"/>
+                <a:ea typeface="微軟正黑體" pitchFamily="34" charset="-120"/>
+              </a:rPr>
+              <a:t>Open Computer Vision</a:t>
+            </a:r>
+            <a:endParaRPr lang="en-US" altLang="zh-TW" sz="4000" b="1" dirty="0" smtClean="0">
+              <a:latin typeface="微軟正黑體" pitchFamily="34" charset="-120"/>
+              <a:ea typeface="微軟正黑體" pitchFamily="34" charset="-120"/>
+            </a:endParaRPr>
+          </a:p>
+          <a:p>
+            <a:pPr marL="361950" indent="-361950">
+              <a:buFont typeface="Arial" panose="020B0604020202020204" pitchFamily="34" charset="0"/>
+              <a:buChar char="•"/>
+            </a:pPr>
+            <a:r>
               <a:rPr lang="zh-TW" altLang="zh-TW" sz="4000" b="1" dirty="0" smtClean="0">
                 <a:latin typeface="微軟正黑體" pitchFamily="34" charset="-120"/>
                 <a:ea typeface="微軟正黑體" pitchFamily="34" charset="-120"/>
               </a:rPr>
-              <a:t>開放原始碼的電腦視覺函數庫</a:t>
+              <a:t>開放</a:t>
+            </a:r>
+            <a:r>
+              <a:rPr lang="zh-TW" altLang="zh-TW" sz="4000" b="1" dirty="0" smtClean="0">
+                <a:latin typeface="微軟正黑體" pitchFamily="34" charset="-120"/>
+                <a:ea typeface="微軟正黑體" pitchFamily="34" charset="-120"/>
+              </a:rPr>
+              <a:t>原始碼的電腦視覺函數庫</a:t>
             </a:r>
             <a:endParaRPr kumimoji="1" lang="en-US" altLang="zh-TW" sz="4000" b="1" dirty="0" smtClean="0">
               <a:effectLst>
@@ -10903,7 +10947,7 @@
     </p:spTree>
     <p:extLst>
       <p:ext uri="{BB962C8B-B14F-4D97-AF65-F5344CB8AC3E}">
-        <p14:creationId xmlns="" xmlns:p14="http://schemas.microsoft.com/office/powerpoint/2010/main" val="522405798"/>
+        <p14:creationId xmlns:p14="http://schemas.microsoft.com/office/powerpoint/2010/main" xmlns="" val="522405798"/>
       </p:ext>
     </p:extLst>
   </p:cSld>
@@ -11182,28 +11226,13 @@
               </a:rPr>
               <a:t>)</a:t>
             </a:r>
-            <a:endParaRPr kumimoji="1" lang="en-US" altLang="zh-TW" sz="4800" b="1" dirty="0" smtClean="0">
-              <a:solidFill>
-                <a:srgbClr val="FFFF00"/>
-              </a:solidFill>
-              <a:effectLst>
-                <a:outerShdw blurRad="38100" dist="38100" dir="2700000" algn="tl">
-                  <a:srgbClr val="000000">
-                    <a:alpha val="43137"/>
-                  </a:srgbClr>
-                </a:outerShdw>
-              </a:effectLst>
-              <a:latin typeface="微軟正黑體" panose="020B0604030504040204" pitchFamily="34" charset="-120"/>
-              <a:ea typeface="微軟正黑體" panose="020B0604030504040204" pitchFamily="34" charset="-120"/>
-              <a:cs typeface="Heiti TC Light"/>
-            </a:endParaRPr>
           </a:p>
         </p:txBody>
       </p:sp>
     </p:spTree>
     <p:extLst>
       <p:ext uri="{BB962C8B-B14F-4D97-AF65-F5344CB8AC3E}">
-        <p14:creationId xmlns="" xmlns:p14="http://schemas.microsoft.com/office/powerpoint/2010/main" val="522405798"/>
+        <p14:creationId xmlns:p14="http://schemas.microsoft.com/office/powerpoint/2010/main" xmlns="" val="522405798"/>
       </p:ext>
     </p:extLst>
   </p:cSld>
@@ -11271,14 +11300,7 @@
                 <a:latin typeface="微軟正黑體" pitchFamily="34" charset="-120"/>
                 <a:ea typeface="微軟正黑體" pitchFamily="34" charset="-120"/>
               </a:rPr>
-              <a:t>Feature </a:t>
-            </a:r>
-            <a:r>
-              <a:rPr lang="en-US" altLang="zh-TW" sz="3600" b="1" dirty="0" smtClean="0">
-                <a:latin typeface="微軟正黑體" pitchFamily="34" charset="-120"/>
-                <a:ea typeface="微軟正黑體" pitchFamily="34" charset="-120"/>
-              </a:rPr>
-              <a:t>Detection and Description</a:t>
+              <a:t>Feature Detection and Description</a:t>
             </a:r>
           </a:p>
           <a:p>
@@ -11304,19 +11326,8 @@
                 <a:latin typeface="微軟正黑體" pitchFamily="34" charset="-120"/>
                 <a:ea typeface="微軟正黑體" pitchFamily="34" charset="-120"/>
               </a:rPr>
-              <a:t>Camera Calibration and </a:t>
-            </a:r>
-            <a:r>
-              <a:rPr lang="en-US" altLang="zh-TW" sz="3600" b="1" dirty="0" smtClean="0">
-                <a:latin typeface="微軟正黑體" pitchFamily="34" charset="-120"/>
-                <a:ea typeface="微軟正黑體" pitchFamily="34" charset="-120"/>
-              </a:rPr>
-              <a:t>3D Reconstruction</a:t>
-            </a:r>
-            <a:endParaRPr lang="en-US" altLang="zh-TW" sz="3600" b="1" dirty="0" smtClean="0">
-              <a:latin typeface="微軟正黑體" pitchFamily="34" charset="-120"/>
-              <a:ea typeface="微軟正黑體" pitchFamily="34" charset="-120"/>
-            </a:endParaRPr>
+              <a:t>Camera Calibration and 3D Reconstruction</a:t>
+            </a:r>
           </a:p>
           <a:p>
             <a:pPr marL="358775" indent="-358775">
@@ -11354,14 +11365,7 @@
                 <a:latin typeface="微軟正黑體" pitchFamily="34" charset="-120"/>
                 <a:ea typeface="微軟正黑體" pitchFamily="34" charset="-120"/>
               </a:rPr>
-              <a:t>Object </a:t>
-            </a:r>
-            <a:r>
-              <a:rPr lang="en-US" altLang="zh-TW" sz="3600" b="1" dirty="0" smtClean="0">
-                <a:latin typeface="微軟正黑體" pitchFamily="34" charset="-120"/>
-                <a:ea typeface="微軟正黑體" pitchFamily="34" charset="-120"/>
-              </a:rPr>
-              <a:t>Detection</a:t>
+              <a:t>Object Detection</a:t>
             </a:r>
           </a:p>
           <a:p>
@@ -11376,10 +11380,6 @@
               </a:rPr>
               <a:t>Deep Learning</a:t>
             </a:r>
-            <a:endParaRPr lang="en-US" altLang="zh-TW" sz="3600" b="1" dirty="0" smtClean="0">
-              <a:latin typeface="微軟正黑體" pitchFamily="34" charset="-120"/>
-              <a:ea typeface="微軟正黑體" pitchFamily="34" charset="-120"/>
-            </a:endParaRPr>
           </a:p>
         </p:txBody>
       </p:sp>
@@ -11500,28 +11500,13 @@
               </a:rPr>
               <a:t>)</a:t>
             </a:r>
-            <a:endParaRPr kumimoji="1" lang="en-US" altLang="zh-TW" sz="4800" b="1" dirty="0" smtClean="0">
-              <a:solidFill>
-                <a:srgbClr val="FFFF00"/>
-              </a:solidFill>
-              <a:effectLst>
-                <a:outerShdw blurRad="38100" dist="38100" dir="2700000" algn="tl">
-                  <a:srgbClr val="000000">
-                    <a:alpha val="43137"/>
-                  </a:srgbClr>
-                </a:outerShdw>
-              </a:effectLst>
-              <a:latin typeface="微軟正黑體" panose="020B0604030504040204" pitchFamily="34" charset="-120"/>
-              <a:ea typeface="微軟正黑體" panose="020B0604030504040204" pitchFamily="34" charset="-120"/>
-              <a:cs typeface="Heiti TC Light"/>
-            </a:endParaRPr>
           </a:p>
         </p:txBody>
       </p:sp>
     </p:spTree>
     <p:extLst>
       <p:ext uri="{BB962C8B-B14F-4D97-AF65-F5344CB8AC3E}">
-        <p14:creationId xmlns="" xmlns:p14="http://schemas.microsoft.com/office/powerpoint/2010/main" val="522405798"/>
+        <p14:creationId xmlns:p14="http://schemas.microsoft.com/office/powerpoint/2010/main" xmlns="" val="522405798"/>
       </p:ext>
     </p:extLst>
   </p:cSld>
